--- a/实验三 关系挖掘实验.pptx
+++ b/实验三 关系挖掘实验.pptx
@@ -5,17 +5,17 @@
     <p:sldMasterId id="2147483648" r:id="rId1"/>
   </p:sldMasterIdLst>
   <p:notesMasterIdLst>
-    <p:notesMasterId r:id="rId5"/>
+    <p:notesMasterId r:id="rId10"/>
   </p:notesMasterIdLst>
   <p:sldIdLst>
-    <p:sldId id="256" r:id="rId3"/>
-    <p:sldId id="257" r:id="rId4"/>
-    <p:sldId id="259" r:id="rId6"/>
-    <p:sldId id="308" r:id="rId7"/>
-    <p:sldId id="284" r:id="rId8"/>
-    <p:sldId id="310" r:id="rId9"/>
-    <p:sldId id="309" r:id="rId10"/>
-    <p:sldId id="305" r:id="rId11"/>
+    <p:sldId id="256" r:id="rId2"/>
+    <p:sldId id="257" r:id="rId3"/>
+    <p:sldId id="259" r:id="rId4"/>
+    <p:sldId id="308" r:id="rId5"/>
+    <p:sldId id="284" r:id="rId6"/>
+    <p:sldId id="310" r:id="rId7"/>
+    <p:sldId id="309" r:id="rId8"/>
+    <p:sldId id="305" r:id="rId9"/>
   </p:sldIdLst>
   <p:sldSz cx="12192000" cy="6858000"/>
   <p:notesSz cx="6858000" cy="9144000"/>
@@ -114,6 +114,37 @@
       </a:defRPr>
     </a:lvl9pPr>
   </p:defaultTextStyle>
+  <p:extLst>
+    <p:ext uri="{EFAFB233-063F-42B5-8137-9DF3F51BA10A}">
+      <p15:sldGuideLst xmlns:p15="http://schemas.microsoft.com/office/powerpoint/2012/main">
+        <p15:guide id="1" orient="horz" pos="2118">
+          <p15:clr>
+            <a:srgbClr val="A4A3A4"/>
+          </p15:clr>
+        </p15:guide>
+        <p15:guide id="2" pos="3838">
+          <p15:clr>
+            <a:srgbClr val="A4A3A4"/>
+          </p15:clr>
+        </p15:guide>
+        <p15:guide id="3" pos="1057">
+          <p15:clr>
+            <a:srgbClr val="A4A3A4"/>
+          </p15:clr>
+        </p15:guide>
+        <p15:guide id="4" pos="3010">
+          <p15:clr>
+            <a:srgbClr val="A4A3A4"/>
+          </p15:clr>
+        </p15:guide>
+        <p15:guide id="5" pos="7155">
+          <p15:clr>
+            <a:srgbClr val="A4A3A4"/>
+          </p15:clr>
+        </p15:guide>
+      </p15:sldGuideLst>
+    </p:ext>
+  </p:extLst>
 </p:presentation>
 </file>
 
@@ -199,6 +230,7 @@
           <a:p>
             <a:fld id="{B2D31608-7702-4439-9BD4-6685EBCB706D}" type="datetimeFigureOut">
               <a:rPr lang="zh-CN" altLang="en-US" smtClean="0"/>
+              <a:t>2022/1/16</a:t>
             </a:fld>
             <a:endParaRPr lang="zh-CN" altLang="en-US"/>
           </a:p>
@@ -265,7 +297,6 @@
               <a:rPr lang="zh-CN" altLang="en-US"/>
               <a:t>单击此处编辑母版文本样式</a:t>
             </a:r>
-            <a:endParaRPr lang="zh-CN" altLang="en-US"/>
           </a:p>
           <a:p>
             <a:pPr lvl="1"/>
@@ -273,7 +304,6 @@
               <a:rPr lang="zh-CN" altLang="en-US"/>
               <a:t>第二级</a:t>
             </a:r>
-            <a:endParaRPr lang="zh-CN" altLang="en-US"/>
           </a:p>
           <a:p>
             <a:pPr lvl="2"/>
@@ -281,7 +311,6 @@
               <a:rPr lang="zh-CN" altLang="en-US"/>
               <a:t>第三级</a:t>
             </a:r>
-            <a:endParaRPr lang="zh-CN" altLang="en-US"/>
           </a:p>
           <a:p>
             <a:pPr lvl="3"/>
@@ -289,7 +318,6 @@
               <a:rPr lang="zh-CN" altLang="en-US"/>
               <a:t>第四级</a:t>
             </a:r>
-            <a:endParaRPr lang="zh-CN" altLang="en-US"/>
           </a:p>
           <a:p>
             <a:pPr lvl="4"/>
@@ -297,7 +325,6 @@
               <a:rPr lang="zh-CN" altLang="en-US"/>
               <a:t>第五级</a:t>
             </a:r>
-            <a:endParaRPr lang="zh-CN" altLang="en-US"/>
           </a:p>
         </p:txBody>
       </p:sp>
@@ -361,6 +388,7 @@
           <a:p>
             <a:fld id="{DAFBDEBF-A944-4541-9D55-03F033AE54B0}" type="slidenum">
               <a:rPr lang="zh-CN" altLang="en-US" smtClean="0"/>
+              <a:t>‹#›</a:t>
             </a:fld>
             <a:endParaRPr lang="zh-CN" altLang="en-US"/>
           </a:p>
@@ -529,6 +557,7 @@
           <a:p>
             <a:fld id="{DAFBDEBF-A944-4541-9D55-03F033AE54B0}" type="slidenum">
               <a:rPr lang="zh-CN" altLang="en-US" smtClean="0"/>
+              <a:t>2</a:t>
             </a:fld>
             <a:endParaRPr lang="zh-CN" altLang="en-US"/>
           </a:p>
@@ -607,6 +636,7 @@
           <a:p>
             <a:fld id="{DAFBDEBF-A944-4541-9D55-03F033AE54B0}" type="slidenum">
               <a:rPr lang="zh-CN" altLang="en-US" smtClean="0"/>
+              <a:t>4</a:t>
             </a:fld>
             <a:endParaRPr lang="zh-CN" altLang="en-US"/>
           </a:p>
@@ -685,6 +715,7 @@
           <a:p>
             <a:fld id="{DAFBDEBF-A944-4541-9D55-03F033AE54B0}" type="slidenum">
               <a:rPr lang="zh-CN" altLang="en-US" smtClean="0"/>
+              <a:t>5</a:t>
             </a:fld>
             <a:endParaRPr lang="zh-CN" altLang="en-US"/>
           </a:p>
@@ -763,6 +794,7 @@
           <a:p>
             <a:fld id="{DAFBDEBF-A944-4541-9D55-03F033AE54B0}" type="slidenum">
               <a:rPr lang="zh-CN" altLang="en-US" smtClean="0"/>
+              <a:t>6</a:t>
             </a:fld>
             <a:endParaRPr lang="zh-CN" altLang="en-US"/>
           </a:p>
@@ -870,6 +902,7 @@
                 <a:ea typeface="宋体" panose="02010600030101010101" pitchFamily="2" charset="-122"/>
                 <a:cs typeface="+mn-cs"/>
               </a:rPr>
+              <a:t>8</a:t>
             </a:fld>
             <a:endParaRPr kumimoji="0" lang="zh-CN" altLang="en-US" sz="1200" b="0" i="0" u="none" strike="noStrike" kern="1200" cap="none" spc="0" normalizeH="0" baseline="0" noProof="0">
               <a:ln>
@@ -941,7 +974,6 @@
               <a:rPr lang="zh-CN" altLang="en-US"/>
               <a:t>单击此处编辑母版标题样式</a:t>
             </a:r>
-            <a:endParaRPr lang="zh-CN" altLang="en-US"/>
           </a:p>
         </p:txBody>
       </p:sp>
@@ -1006,7 +1038,6 @@
               <a:rPr lang="zh-CN" altLang="en-US"/>
               <a:t>单击此处编辑母版副标题样式</a:t>
             </a:r>
-            <a:endParaRPr lang="zh-CN" altLang="en-US"/>
           </a:p>
         </p:txBody>
       </p:sp>
@@ -1027,6 +1058,7 @@
           <a:p>
             <a:fld id="{81F7C09D-B8B9-4FBA-9025-3533BE8692E9}" type="datetimeFigureOut">
               <a:rPr lang="zh-CN" altLang="en-US" smtClean="0"/>
+              <a:t>2022/1/16</a:t>
             </a:fld>
             <a:endParaRPr lang="zh-CN" altLang="en-US"/>
           </a:p>
@@ -1068,6 +1100,7 @@
           <a:p>
             <a:fld id="{BCDBDF0B-0EE8-4B86-9FA5-921B963BED65}" type="slidenum">
               <a:rPr lang="zh-CN" altLang="en-US" smtClean="0"/>
+              <a:t>‹#›</a:t>
             </a:fld>
             <a:endParaRPr lang="zh-CN" altLang="en-US"/>
           </a:p>
@@ -1117,7 +1150,6 @@
               <a:rPr lang="zh-CN" altLang="en-US"/>
               <a:t>单击此处编辑母版标题样式</a:t>
             </a:r>
-            <a:endParaRPr lang="zh-CN" altLang="en-US"/>
           </a:p>
         </p:txBody>
       </p:sp>
@@ -1141,7 +1173,6 @@
               <a:rPr lang="zh-CN" altLang="en-US"/>
               <a:t>单击此处编辑母版文本样式</a:t>
             </a:r>
-            <a:endParaRPr lang="zh-CN" altLang="en-US"/>
           </a:p>
           <a:p>
             <a:pPr lvl="1"/>
@@ -1149,7 +1180,6 @@
               <a:rPr lang="zh-CN" altLang="en-US"/>
               <a:t>第二级</a:t>
             </a:r>
-            <a:endParaRPr lang="zh-CN" altLang="en-US"/>
           </a:p>
           <a:p>
             <a:pPr lvl="2"/>
@@ -1157,7 +1187,6 @@
               <a:rPr lang="zh-CN" altLang="en-US"/>
               <a:t>第三级</a:t>
             </a:r>
-            <a:endParaRPr lang="zh-CN" altLang="en-US"/>
           </a:p>
           <a:p>
             <a:pPr lvl="3"/>
@@ -1165,7 +1194,6 @@
               <a:rPr lang="zh-CN" altLang="en-US"/>
               <a:t>第四级</a:t>
             </a:r>
-            <a:endParaRPr lang="zh-CN" altLang="en-US"/>
           </a:p>
           <a:p>
             <a:pPr lvl="4"/>
@@ -1173,7 +1201,6 @@
               <a:rPr lang="zh-CN" altLang="en-US"/>
               <a:t>第五级</a:t>
             </a:r>
-            <a:endParaRPr lang="zh-CN" altLang="en-US"/>
           </a:p>
         </p:txBody>
       </p:sp>
@@ -1194,6 +1221,7 @@
           <a:p>
             <a:fld id="{81F7C09D-B8B9-4FBA-9025-3533BE8692E9}" type="datetimeFigureOut">
               <a:rPr lang="zh-CN" altLang="en-US" smtClean="0"/>
+              <a:t>2022/1/16</a:t>
             </a:fld>
             <a:endParaRPr lang="zh-CN" altLang="en-US"/>
           </a:p>
@@ -1235,6 +1263,7 @@
           <a:p>
             <a:fld id="{BCDBDF0B-0EE8-4B86-9FA5-921B963BED65}" type="slidenum">
               <a:rPr lang="zh-CN" altLang="en-US" smtClean="0"/>
+              <a:t>‹#›</a:t>
             </a:fld>
             <a:endParaRPr lang="zh-CN" altLang="en-US"/>
           </a:p>
@@ -1289,7 +1318,6 @@
               <a:rPr lang="zh-CN" altLang="en-US"/>
               <a:t>单击此处编辑母版标题样式</a:t>
             </a:r>
-            <a:endParaRPr lang="zh-CN" altLang="en-US"/>
           </a:p>
         </p:txBody>
       </p:sp>
@@ -1318,7 +1346,6 @@
               <a:rPr lang="zh-CN" altLang="en-US"/>
               <a:t>单击此处编辑母版文本样式</a:t>
             </a:r>
-            <a:endParaRPr lang="zh-CN" altLang="en-US"/>
           </a:p>
           <a:p>
             <a:pPr lvl="1"/>
@@ -1326,7 +1353,6 @@
               <a:rPr lang="zh-CN" altLang="en-US"/>
               <a:t>第二级</a:t>
             </a:r>
-            <a:endParaRPr lang="zh-CN" altLang="en-US"/>
           </a:p>
           <a:p>
             <a:pPr lvl="2"/>
@@ -1334,7 +1360,6 @@
               <a:rPr lang="zh-CN" altLang="en-US"/>
               <a:t>第三级</a:t>
             </a:r>
-            <a:endParaRPr lang="zh-CN" altLang="en-US"/>
           </a:p>
           <a:p>
             <a:pPr lvl="3"/>
@@ -1342,7 +1367,6 @@
               <a:rPr lang="zh-CN" altLang="en-US"/>
               <a:t>第四级</a:t>
             </a:r>
-            <a:endParaRPr lang="zh-CN" altLang="en-US"/>
           </a:p>
           <a:p>
             <a:pPr lvl="4"/>
@@ -1350,7 +1374,6 @@
               <a:rPr lang="zh-CN" altLang="en-US"/>
               <a:t>第五级</a:t>
             </a:r>
-            <a:endParaRPr lang="zh-CN" altLang="en-US"/>
           </a:p>
         </p:txBody>
       </p:sp>
@@ -1371,6 +1394,7 @@
           <a:p>
             <a:fld id="{81F7C09D-B8B9-4FBA-9025-3533BE8692E9}" type="datetimeFigureOut">
               <a:rPr lang="zh-CN" altLang="en-US" smtClean="0"/>
+              <a:t>2022/1/16</a:t>
             </a:fld>
             <a:endParaRPr lang="zh-CN" altLang="en-US"/>
           </a:p>
@@ -1412,6 +1436,7 @@
           <a:p>
             <a:fld id="{BCDBDF0B-0EE8-4B86-9FA5-921B963BED65}" type="slidenum">
               <a:rPr lang="zh-CN" altLang="en-US" smtClean="0"/>
+              <a:t>‹#›</a:t>
             </a:fld>
             <a:endParaRPr lang="zh-CN" altLang="en-US"/>
           </a:p>
@@ -1558,7 +1583,6 @@
               <a:rPr lang="zh-CN" altLang="en-US"/>
               <a:t>单击此处编辑母版标题样式</a:t>
             </a:r>
-            <a:endParaRPr lang="zh-CN" altLang="en-US"/>
           </a:p>
         </p:txBody>
       </p:sp>
@@ -1582,7 +1606,6 @@
               <a:rPr lang="zh-CN" altLang="en-US"/>
               <a:t>单击此处编辑母版文本样式</a:t>
             </a:r>
-            <a:endParaRPr lang="zh-CN" altLang="en-US"/>
           </a:p>
           <a:p>
             <a:pPr lvl="1"/>
@@ -1590,7 +1613,6 @@
               <a:rPr lang="zh-CN" altLang="en-US"/>
               <a:t>第二级</a:t>
             </a:r>
-            <a:endParaRPr lang="zh-CN" altLang="en-US"/>
           </a:p>
           <a:p>
             <a:pPr lvl="2"/>
@@ -1598,7 +1620,6 @@
               <a:rPr lang="zh-CN" altLang="en-US"/>
               <a:t>第三级</a:t>
             </a:r>
-            <a:endParaRPr lang="zh-CN" altLang="en-US"/>
           </a:p>
           <a:p>
             <a:pPr lvl="3"/>
@@ -1606,7 +1627,6 @@
               <a:rPr lang="zh-CN" altLang="en-US"/>
               <a:t>第四级</a:t>
             </a:r>
-            <a:endParaRPr lang="zh-CN" altLang="en-US"/>
           </a:p>
           <a:p>
             <a:pPr lvl="4"/>
@@ -1614,7 +1634,6 @@
               <a:rPr lang="zh-CN" altLang="en-US"/>
               <a:t>第五级</a:t>
             </a:r>
-            <a:endParaRPr lang="zh-CN" altLang="en-US"/>
           </a:p>
         </p:txBody>
       </p:sp>
@@ -1635,6 +1654,7 @@
           <a:p>
             <a:fld id="{81F7C09D-B8B9-4FBA-9025-3533BE8692E9}" type="datetimeFigureOut">
               <a:rPr lang="zh-CN" altLang="en-US" smtClean="0"/>
+              <a:t>2022/1/16</a:t>
             </a:fld>
             <a:endParaRPr lang="zh-CN" altLang="en-US"/>
           </a:p>
@@ -1676,6 +1696,7 @@
           <a:p>
             <a:fld id="{BCDBDF0B-0EE8-4B86-9FA5-921B963BED65}" type="slidenum">
               <a:rPr lang="zh-CN" altLang="en-US" smtClean="0"/>
+              <a:t>‹#›</a:t>
             </a:fld>
             <a:endParaRPr lang="zh-CN" altLang="en-US"/>
           </a:p>
@@ -1734,7 +1755,6 @@
               <a:rPr lang="zh-CN" altLang="en-US"/>
               <a:t>单击此处编辑母版标题样式</a:t>
             </a:r>
-            <a:endParaRPr lang="zh-CN" altLang="en-US"/>
           </a:p>
         </p:txBody>
       </p:sp>
@@ -1854,7 +1874,6 @@
               <a:rPr lang="zh-CN" altLang="en-US"/>
               <a:t>单击此处编辑母版文本样式</a:t>
             </a:r>
-            <a:endParaRPr lang="zh-CN" altLang="en-US"/>
           </a:p>
         </p:txBody>
       </p:sp>
@@ -1875,6 +1894,7 @@
           <a:p>
             <a:fld id="{81F7C09D-B8B9-4FBA-9025-3533BE8692E9}" type="datetimeFigureOut">
               <a:rPr lang="zh-CN" altLang="en-US" smtClean="0"/>
+              <a:t>2022/1/16</a:t>
             </a:fld>
             <a:endParaRPr lang="zh-CN" altLang="en-US"/>
           </a:p>
@@ -1916,6 +1936,7 @@
           <a:p>
             <a:fld id="{BCDBDF0B-0EE8-4B86-9FA5-921B963BED65}" type="slidenum">
               <a:rPr lang="zh-CN" altLang="en-US" smtClean="0"/>
+              <a:t>‹#›</a:t>
             </a:fld>
             <a:endParaRPr lang="zh-CN" altLang="en-US"/>
           </a:p>
@@ -1965,7 +1986,6 @@
               <a:rPr lang="zh-CN" altLang="en-US"/>
               <a:t>单击此处编辑母版标题样式</a:t>
             </a:r>
-            <a:endParaRPr lang="zh-CN" altLang="en-US"/>
           </a:p>
         </p:txBody>
       </p:sp>
@@ -1994,7 +2014,6 @@
               <a:rPr lang="zh-CN" altLang="en-US"/>
               <a:t>单击此处编辑母版文本样式</a:t>
             </a:r>
-            <a:endParaRPr lang="zh-CN" altLang="en-US"/>
           </a:p>
           <a:p>
             <a:pPr lvl="1"/>
@@ -2002,7 +2021,6 @@
               <a:rPr lang="zh-CN" altLang="en-US"/>
               <a:t>第二级</a:t>
             </a:r>
-            <a:endParaRPr lang="zh-CN" altLang="en-US"/>
           </a:p>
           <a:p>
             <a:pPr lvl="2"/>
@@ -2010,7 +2028,6 @@
               <a:rPr lang="zh-CN" altLang="en-US"/>
               <a:t>第三级</a:t>
             </a:r>
-            <a:endParaRPr lang="zh-CN" altLang="en-US"/>
           </a:p>
           <a:p>
             <a:pPr lvl="3"/>
@@ -2018,7 +2035,6 @@
               <a:rPr lang="zh-CN" altLang="en-US"/>
               <a:t>第四级</a:t>
             </a:r>
-            <a:endParaRPr lang="zh-CN" altLang="en-US"/>
           </a:p>
           <a:p>
             <a:pPr lvl="4"/>
@@ -2026,7 +2042,6 @@
               <a:rPr lang="zh-CN" altLang="en-US"/>
               <a:t>第五级</a:t>
             </a:r>
-            <a:endParaRPr lang="zh-CN" altLang="en-US"/>
           </a:p>
         </p:txBody>
       </p:sp>
@@ -2055,7 +2070,6 @@
               <a:rPr lang="zh-CN" altLang="en-US"/>
               <a:t>单击此处编辑母版文本样式</a:t>
             </a:r>
-            <a:endParaRPr lang="zh-CN" altLang="en-US"/>
           </a:p>
           <a:p>
             <a:pPr lvl="1"/>
@@ -2063,7 +2077,6 @@
               <a:rPr lang="zh-CN" altLang="en-US"/>
               <a:t>第二级</a:t>
             </a:r>
-            <a:endParaRPr lang="zh-CN" altLang="en-US"/>
           </a:p>
           <a:p>
             <a:pPr lvl="2"/>
@@ -2071,7 +2084,6 @@
               <a:rPr lang="zh-CN" altLang="en-US"/>
               <a:t>第三级</a:t>
             </a:r>
-            <a:endParaRPr lang="zh-CN" altLang="en-US"/>
           </a:p>
           <a:p>
             <a:pPr lvl="3"/>
@@ -2079,7 +2091,6 @@
               <a:rPr lang="zh-CN" altLang="en-US"/>
               <a:t>第四级</a:t>
             </a:r>
-            <a:endParaRPr lang="zh-CN" altLang="en-US"/>
           </a:p>
           <a:p>
             <a:pPr lvl="4"/>
@@ -2087,7 +2098,6 @@
               <a:rPr lang="zh-CN" altLang="en-US"/>
               <a:t>第五级</a:t>
             </a:r>
-            <a:endParaRPr lang="zh-CN" altLang="en-US"/>
           </a:p>
         </p:txBody>
       </p:sp>
@@ -2108,6 +2118,7 @@
           <a:p>
             <a:fld id="{81F7C09D-B8B9-4FBA-9025-3533BE8692E9}" type="datetimeFigureOut">
               <a:rPr lang="zh-CN" altLang="en-US" smtClean="0"/>
+              <a:t>2022/1/16</a:t>
             </a:fld>
             <a:endParaRPr lang="zh-CN" altLang="en-US"/>
           </a:p>
@@ -2149,6 +2160,7 @@
           <a:p>
             <a:fld id="{BCDBDF0B-0EE8-4B86-9FA5-921B963BED65}" type="slidenum">
               <a:rPr lang="zh-CN" altLang="en-US" smtClean="0"/>
+              <a:t>‹#›</a:t>
             </a:fld>
             <a:endParaRPr lang="zh-CN" altLang="en-US"/>
           </a:p>
@@ -2203,7 +2215,6 @@
               <a:rPr lang="zh-CN" altLang="en-US"/>
               <a:t>单击此处编辑母版标题样式</a:t>
             </a:r>
-            <a:endParaRPr lang="zh-CN" altLang="en-US"/>
           </a:p>
         </p:txBody>
       </p:sp>
@@ -2269,7 +2280,6 @@
               <a:rPr lang="zh-CN" altLang="en-US"/>
               <a:t>单击此处编辑母版文本样式</a:t>
             </a:r>
-            <a:endParaRPr lang="zh-CN" altLang="en-US"/>
           </a:p>
         </p:txBody>
       </p:sp>
@@ -2298,7 +2308,6 @@
               <a:rPr lang="zh-CN" altLang="en-US"/>
               <a:t>单击此处编辑母版文本样式</a:t>
             </a:r>
-            <a:endParaRPr lang="zh-CN" altLang="en-US"/>
           </a:p>
           <a:p>
             <a:pPr lvl="1"/>
@@ -2306,7 +2315,6 @@
               <a:rPr lang="zh-CN" altLang="en-US"/>
               <a:t>第二级</a:t>
             </a:r>
-            <a:endParaRPr lang="zh-CN" altLang="en-US"/>
           </a:p>
           <a:p>
             <a:pPr lvl="2"/>
@@ -2314,7 +2322,6 @@
               <a:rPr lang="zh-CN" altLang="en-US"/>
               <a:t>第三级</a:t>
             </a:r>
-            <a:endParaRPr lang="zh-CN" altLang="en-US"/>
           </a:p>
           <a:p>
             <a:pPr lvl="3"/>
@@ -2322,7 +2329,6 @@
               <a:rPr lang="zh-CN" altLang="en-US"/>
               <a:t>第四级</a:t>
             </a:r>
-            <a:endParaRPr lang="zh-CN" altLang="en-US"/>
           </a:p>
           <a:p>
             <a:pPr lvl="4"/>
@@ -2330,7 +2336,6 @@
               <a:rPr lang="zh-CN" altLang="en-US"/>
               <a:t>第五级</a:t>
             </a:r>
-            <a:endParaRPr lang="zh-CN" altLang="en-US"/>
           </a:p>
         </p:txBody>
       </p:sp>
@@ -2396,7 +2401,6 @@
               <a:rPr lang="zh-CN" altLang="en-US"/>
               <a:t>单击此处编辑母版文本样式</a:t>
             </a:r>
-            <a:endParaRPr lang="zh-CN" altLang="en-US"/>
           </a:p>
         </p:txBody>
       </p:sp>
@@ -2425,7 +2429,6 @@
               <a:rPr lang="zh-CN" altLang="en-US"/>
               <a:t>单击此处编辑母版文本样式</a:t>
             </a:r>
-            <a:endParaRPr lang="zh-CN" altLang="en-US"/>
           </a:p>
           <a:p>
             <a:pPr lvl="1"/>
@@ -2433,7 +2436,6 @@
               <a:rPr lang="zh-CN" altLang="en-US"/>
               <a:t>第二级</a:t>
             </a:r>
-            <a:endParaRPr lang="zh-CN" altLang="en-US"/>
           </a:p>
           <a:p>
             <a:pPr lvl="2"/>
@@ -2441,7 +2443,6 @@
               <a:rPr lang="zh-CN" altLang="en-US"/>
               <a:t>第三级</a:t>
             </a:r>
-            <a:endParaRPr lang="zh-CN" altLang="en-US"/>
           </a:p>
           <a:p>
             <a:pPr lvl="3"/>
@@ -2449,7 +2450,6 @@
               <a:rPr lang="zh-CN" altLang="en-US"/>
               <a:t>第四级</a:t>
             </a:r>
-            <a:endParaRPr lang="zh-CN" altLang="en-US"/>
           </a:p>
           <a:p>
             <a:pPr lvl="4"/>
@@ -2457,7 +2457,6 @@
               <a:rPr lang="zh-CN" altLang="en-US"/>
               <a:t>第五级</a:t>
             </a:r>
-            <a:endParaRPr lang="zh-CN" altLang="en-US"/>
           </a:p>
         </p:txBody>
       </p:sp>
@@ -2478,6 +2477,7 @@
           <a:p>
             <a:fld id="{81F7C09D-B8B9-4FBA-9025-3533BE8692E9}" type="datetimeFigureOut">
               <a:rPr lang="zh-CN" altLang="en-US" smtClean="0"/>
+              <a:t>2022/1/16</a:t>
             </a:fld>
             <a:endParaRPr lang="zh-CN" altLang="en-US"/>
           </a:p>
@@ -2519,6 +2519,7 @@
           <a:p>
             <a:fld id="{BCDBDF0B-0EE8-4B86-9FA5-921B963BED65}" type="slidenum">
               <a:rPr lang="zh-CN" altLang="en-US" smtClean="0"/>
+              <a:t>‹#›</a:t>
             </a:fld>
             <a:endParaRPr lang="zh-CN" altLang="en-US"/>
           </a:p>
@@ -2568,7 +2569,6 @@
               <a:rPr lang="zh-CN" altLang="en-US"/>
               <a:t>单击此处编辑母版标题样式</a:t>
             </a:r>
-            <a:endParaRPr lang="zh-CN" altLang="en-US"/>
           </a:p>
         </p:txBody>
       </p:sp>
@@ -2589,6 +2589,7 @@
           <a:p>
             <a:fld id="{81F7C09D-B8B9-4FBA-9025-3533BE8692E9}" type="datetimeFigureOut">
               <a:rPr lang="zh-CN" altLang="en-US" smtClean="0"/>
+              <a:t>2022/1/16</a:t>
             </a:fld>
             <a:endParaRPr lang="zh-CN" altLang="en-US"/>
           </a:p>
@@ -2630,6 +2631,7 @@
           <a:p>
             <a:fld id="{BCDBDF0B-0EE8-4B86-9FA5-921B963BED65}" type="slidenum">
               <a:rPr lang="zh-CN" altLang="en-US" smtClean="0"/>
+              <a:t>‹#›</a:t>
             </a:fld>
             <a:endParaRPr lang="zh-CN" altLang="en-US"/>
           </a:p>
@@ -2677,6 +2679,7 @@
           <a:p>
             <a:fld id="{81F7C09D-B8B9-4FBA-9025-3533BE8692E9}" type="datetimeFigureOut">
               <a:rPr lang="zh-CN" altLang="en-US" smtClean="0"/>
+              <a:t>2022/1/16</a:t>
             </a:fld>
             <a:endParaRPr lang="zh-CN" altLang="en-US"/>
           </a:p>
@@ -2718,6 +2721,7 @@
           <a:p>
             <a:fld id="{BCDBDF0B-0EE8-4B86-9FA5-921B963BED65}" type="slidenum">
               <a:rPr lang="zh-CN" altLang="en-US" smtClean="0"/>
+              <a:t>‹#›</a:t>
             </a:fld>
             <a:endParaRPr lang="zh-CN" altLang="en-US"/>
           </a:p>
@@ -2776,7 +2780,6 @@
               <a:rPr lang="zh-CN" altLang="en-US"/>
               <a:t>单击此处编辑母版标题样式</a:t>
             </a:r>
-            <a:endParaRPr lang="zh-CN" altLang="en-US"/>
           </a:p>
         </p:txBody>
       </p:sp>
@@ -2833,7 +2836,6 @@
               <a:rPr lang="zh-CN" altLang="en-US"/>
               <a:t>单击此处编辑母版文本样式</a:t>
             </a:r>
-            <a:endParaRPr lang="zh-CN" altLang="en-US"/>
           </a:p>
           <a:p>
             <a:pPr lvl="1"/>
@@ -2841,7 +2843,6 @@
               <a:rPr lang="zh-CN" altLang="en-US"/>
               <a:t>第二级</a:t>
             </a:r>
-            <a:endParaRPr lang="zh-CN" altLang="en-US"/>
           </a:p>
           <a:p>
             <a:pPr lvl="2"/>
@@ -2849,7 +2850,6 @@
               <a:rPr lang="zh-CN" altLang="en-US"/>
               <a:t>第三级</a:t>
             </a:r>
-            <a:endParaRPr lang="zh-CN" altLang="en-US"/>
           </a:p>
           <a:p>
             <a:pPr lvl="3"/>
@@ -2857,7 +2857,6 @@
               <a:rPr lang="zh-CN" altLang="en-US"/>
               <a:t>第四级</a:t>
             </a:r>
-            <a:endParaRPr lang="zh-CN" altLang="en-US"/>
           </a:p>
           <a:p>
             <a:pPr lvl="4"/>
@@ -2865,7 +2864,6 @@
               <a:rPr lang="zh-CN" altLang="en-US"/>
               <a:t>第五级</a:t>
             </a:r>
-            <a:endParaRPr lang="zh-CN" altLang="en-US"/>
           </a:p>
         </p:txBody>
       </p:sp>
@@ -2931,7 +2929,6 @@
               <a:rPr lang="zh-CN" altLang="en-US"/>
               <a:t>单击此处编辑母版文本样式</a:t>
             </a:r>
-            <a:endParaRPr lang="zh-CN" altLang="en-US"/>
           </a:p>
         </p:txBody>
       </p:sp>
@@ -2952,6 +2949,7 @@
           <a:p>
             <a:fld id="{81F7C09D-B8B9-4FBA-9025-3533BE8692E9}" type="datetimeFigureOut">
               <a:rPr lang="zh-CN" altLang="en-US" smtClean="0"/>
+              <a:t>2022/1/16</a:t>
             </a:fld>
             <a:endParaRPr lang="zh-CN" altLang="en-US"/>
           </a:p>
@@ -2993,6 +2991,7 @@
           <a:p>
             <a:fld id="{BCDBDF0B-0EE8-4B86-9FA5-921B963BED65}" type="slidenum">
               <a:rPr lang="zh-CN" altLang="en-US" smtClean="0"/>
+              <a:t>‹#›</a:t>
             </a:fld>
             <a:endParaRPr lang="zh-CN" altLang="en-US"/>
           </a:p>
@@ -3051,7 +3050,6 @@
               <a:rPr lang="zh-CN" altLang="en-US"/>
               <a:t>单击此处编辑母版标题样式</a:t>
             </a:r>
-            <a:endParaRPr lang="zh-CN" altLang="en-US"/>
           </a:p>
         </p:txBody>
       </p:sp>
@@ -3178,7 +3176,6 @@
               <a:rPr lang="zh-CN" altLang="en-US"/>
               <a:t>单击此处编辑母版文本样式</a:t>
             </a:r>
-            <a:endParaRPr lang="zh-CN" altLang="en-US"/>
           </a:p>
         </p:txBody>
       </p:sp>
@@ -3199,6 +3196,7 @@
           <a:p>
             <a:fld id="{81F7C09D-B8B9-4FBA-9025-3533BE8692E9}" type="datetimeFigureOut">
               <a:rPr lang="zh-CN" altLang="en-US" smtClean="0"/>
+              <a:t>2022/1/16</a:t>
             </a:fld>
             <a:endParaRPr lang="zh-CN" altLang="en-US"/>
           </a:p>
@@ -3240,6 +3238,7 @@
           <a:p>
             <a:fld id="{BCDBDF0B-0EE8-4B86-9FA5-921B963BED65}" type="slidenum">
               <a:rPr lang="zh-CN" altLang="en-US" smtClean="0"/>
+              <a:t>‹#›</a:t>
             </a:fld>
             <a:endParaRPr lang="zh-CN" altLang="en-US"/>
           </a:p>
@@ -3304,7 +3303,6 @@
               <a:rPr lang="zh-CN" altLang="en-US"/>
               <a:t>单击此处编辑母版标题样式</a:t>
             </a:r>
-            <a:endParaRPr lang="zh-CN" altLang="en-US"/>
           </a:p>
         </p:txBody>
       </p:sp>
@@ -3338,7 +3336,6 @@
               <a:rPr lang="zh-CN" altLang="en-US"/>
               <a:t>单击此处编辑母版文本样式</a:t>
             </a:r>
-            <a:endParaRPr lang="zh-CN" altLang="en-US"/>
           </a:p>
           <a:p>
             <a:pPr lvl="1"/>
@@ -3346,7 +3343,6 @@
               <a:rPr lang="zh-CN" altLang="en-US"/>
               <a:t>第二级</a:t>
             </a:r>
-            <a:endParaRPr lang="zh-CN" altLang="en-US"/>
           </a:p>
           <a:p>
             <a:pPr lvl="2"/>
@@ -3354,7 +3350,6 @@
               <a:rPr lang="zh-CN" altLang="en-US"/>
               <a:t>第三级</a:t>
             </a:r>
-            <a:endParaRPr lang="zh-CN" altLang="en-US"/>
           </a:p>
           <a:p>
             <a:pPr lvl="3"/>
@@ -3362,7 +3357,6 @@
               <a:rPr lang="zh-CN" altLang="en-US"/>
               <a:t>第四级</a:t>
             </a:r>
-            <a:endParaRPr lang="zh-CN" altLang="en-US"/>
           </a:p>
           <a:p>
             <a:pPr lvl="4"/>
@@ -3370,7 +3364,6 @@
               <a:rPr lang="zh-CN" altLang="en-US"/>
               <a:t>第五级</a:t>
             </a:r>
-            <a:endParaRPr lang="zh-CN" altLang="en-US"/>
           </a:p>
         </p:txBody>
       </p:sp>
@@ -3409,6 +3402,7 @@
           <a:p>
             <a:fld id="{81F7C09D-B8B9-4FBA-9025-3533BE8692E9}" type="datetimeFigureOut">
               <a:rPr lang="zh-CN" altLang="en-US" smtClean="0"/>
+              <a:t>2022/1/16</a:t>
             </a:fld>
             <a:endParaRPr lang="zh-CN" altLang="en-US"/>
           </a:p>
@@ -3486,6 +3480,7 @@
           <a:p>
             <a:fld id="{BCDBDF0B-0EE8-4B86-9FA5-921B963BED65}" type="slidenum">
               <a:rPr lang="zh-CN" altLang="en-US" smtClean="0"/>
+              <a:t>‹#›</a:t>
             </a:fld>
             <a:endParaRPr lang="zh-CN" altLang="en-US"/>
           </a:p>
@@ -4100,17 +4095,6 @@
               </a:rPr>
               <a:t>www.1ppt.com/hangye/ </a:t>
             </a:r>
-            <a:endParaRPr kumimoji="0" lang="en-US" altLang="zh-CN" sz="100" b="0" i="0" u="none" strike="noStrike" kern="0" cap="none" spc="0" normalizeH="0" baseline="0" noProof="0" dirty="0">
-              <a:ln>
-                <a:noFill/>
-              </a:ln>
-              <a:solidFill>
-                <a:prstClr val="white"/>
-              </a:solidFill>
-              <a:effectLst/>
-              <a:uLnTx/>
-              <a:uFillTx/>
-            </a:endParaRPr>
           </a:p>
           <a:p>
             <a:pPr marL="0" marR="0" lvl="0" indent="0" defTabSz="914400" eaLnBrk="1" fontAlgn="auto" latinLnBrk="0" hangingPunct="1">
@@ -4213,17 +4197,6 @@
               </a:rPr>
               <a:t>www.1ppt.com/sucai/</a:t>
             </a:r>
-            <a:endParaRPr kumimoji="0" lang="en-US" altLang="zh-CN" sz="100" b="0" i="0" u="none" strike="noStrike" kern="0" cap="none" spc="0" normalizeH="0" baseline="0" noProof="0" dirty="0">
-              <a:ln>
-                <a:noFill/>
-              </a:ln>
-              <a:solidFill>
-                <a:prstClr val="white"/>
-              </a:solidFill>
-              <a:effectLst/>
-              <a:uLnTx/>
-              <a:uFillTx/>
-            </a:endParaRPr>
           </a:p>
           <a:p>
             <a:pPr marL="0" marR="0" lvl="0" indent="0" defTabSz="914400" eaLnBrk="1" fontAlgn="auto" latinLnBrk="0" hangingPunct="1">
@@ -4312,17 +4285,6 @@
               </a:rPr>
               <a:t>www.1ppt.com/tubiao/      </a:t>
             </a:r>
-            <a:endParaRPr kumimoji="0" lang="en-US" altLang="zh-CN" sz="100" b="0" i="0" u="none" strike="noStrike" kern="0" cap="none" spc="0" normalizeH="0" baseline="0" noProof="0" dirty="0">
-              <a:ln>
-                <a:noFill/>
-              </a:ln>
-              <a:solidFill>
-                <a:prstClr val="white"/>
-              </a:solidFill>
-              <a:effectLst/>
-              <a:uLnTx/>
-              <a:uFillTx/>
-            </a:endParaRPr>
           </a:p>
           <a:p>
             <a:pPr marL="0" marR="0" lvl="0" indent="0" defTabSz="914400" eaLnBrk="1" fontAlgn="auto" latinLnBrk="0" hangingPunct="1">
@@ -4425,17 +4387,6 @@
               </a:rPr>
               <a:t>www.1ppt.com/powerpoint/      </a:t>
             </a:r>
-            <a:endParaRPr kumimoji="0" lang="en-US" altLang="zh-CN" sz="100" b="0" i="0" u="none" strike="noStrike" kern="0" cap="none" spc="0" normalizeH="0" baseline="0" noProof="0" dirty="0">
-              <a:ln>
-                <a:noFill/>
-              </a:ln>
-              <a:solidFill>
-                <a:prstClr val="white"/>
-              </a:solidFill>
-              <a:effectLst/>
-              <a:uLnTx/>
-              <a:uFillTx/>
-            </a:endParaRPr>
           </a:p>
           <a:p>
             <a:pPr marL="0" marR="0" lvl="0" indent="0" defTabSz="914400" eaLnBrk="1" fontAlgn="auto" latinLnBrk="0" hangingPunct="1">
@@ -4524,17 +4475,6 @@
               </a:rPr>
               <a:t>www.1ppt.com/excel/  </a:t>
             </a:r>
-            <a:endParaRPr kumimoji="0" lang="en-US" altLang="zh-CN" sz="100" b="0" i="0" u="none" strike="noStrike" kern="0" cap="none" spc="0" normalizeH="0" baseline="0" noProof="0" dirty="0">
-              <a:ln>
-                <a:noFill/>
-              </a:ln>
-              <a:solidFill>
-                <a:prstClr val="white"/>
-              </a:solidFill>
-              <a:effectLst/>
-              <a:uLnTx/>
-              <a:uFillTx/>
-            </a:endParaRPr>
           </a:p>
           <a:p>
             <a:pPr marL="0" marR="0" lvl="0" indent="0" defTabSz="914400" eaLnBrk="1" fontAlgn="auto" latinLnBrk="0" hangingPunct="1">
@@ -4609,17 +4549,6 @@
               </a:rPr>
               <a:t>www.1ppt.com/kejian/ </a:t>
             </a:r>
-            <a:endParaRPr kumimoji="0" lang="en-US" altLang="zh-CN" sz="100" b="0" i="0" u="none" strike="noStrike" kern="0" cap="none" spc="0" normalizeH="0" baseline="0" noProof="0" dirty="0">
-              <a:ln>
-                <a:noFill/>
-              </a:ln>
-              <a:solidFill>
-                <a:prstClr val="white"/>
-              </a:solidFill>
-              <a:effectLst/>
-              <a:uLnTx/>
-              <a:uFillTx/>
-            </a:endParaRPr>
           </a:p>
           <a:p>
             <a:pPr marL="0" marR="0" lvl="0" indent="0" defTabSz="914400" eaLnBrk="1" fontAlgn="auto" latinLnBrk="0" hangingPunct="1">
@@ -4694,17 +4623,6 @@
               </a:rPr>
               <a:t>www.1ppt.com/shiti/  </a:t>
             </a:r>
-            <a:endParaRPr kumimoji="0" lang="en-US" altLang="zh-CN" sz="100" b="0" i="0" u="none" strike="noStrike" kern="0" cap="none" spc="0" normalizeH="0" baseline="0" noProof="0" dirty="0">
-              <a:ln>
-                <a:noFill/>
-              </a:ln>
-              <a:solidFill>
-                <a:prstClr val="white"/>
-              </a:solidFill>
-              <a:effectLst/>
-              <a:uLnTx/>
-              <a:uFillTx/>
-            </a:endParaRPr>
           </a:p>
           <a:p>
             <a:pPr marL="0" marR="0" lvl="0" indent="0" defTabSz="914400" eaLnBrk="1" fontAlgn="auto" latinLnBrk="0" hangingPunct="1">
@@ -4751,17 +4669,6 @@
               </a:rPr>
               <a:t>www.1ppt.com/jiaoan/        </a:t>
             </a:r>
-            <a:endParaRPr kumimoji="0" lang="en-US" altLang="zh-CN" sz="100" b="0" i="0" u="none" strike="noStrike" kern="0" cap="none" spc="0" normalizeH="0" baseline="0" noProof="0" dirty="0">
-              <a:ln>
-                <a:noFill/>
-              </a:ln>
-              <a:solidFill>
-                <a:prstClr val="white"/>
-              </a:solidFill>
-              <a:effectLst/>
-              <a:uLnTx/>
-              <a:uFillTx/>
-            </a:endParaRPr>
           </a:p>
           <a:p>
             <a:pPr marL="0" marR="0" lvl="0" indent="0" defTabSz="914400" eaLnBrk="1" fontAlgn="auto" latinLnBrk="0" hangingPunct="1">
@@ -4808,17 +4715,6 @@
               </a:rPr>
               <a:t>www.1ppt.com/ziti/</a:t>
             </a:r>
-            <a:endParaRPr kumimoji="0" lang="en-US" altLang="zh-CN" sz="100" b="0" i="0" u="none" strike="noStrike" kern="0" cap="none" spc="0" normalizeH="0" baseline="0" noProof="0" dirty="0">
-              <a:ln>
-                <a:noFill/>
-              </a:ln>
-              <a:solidFill>
-                <a:prstClr val="white"/>
-              </a:solidFill>
-              <a:effectLst/>
-              <a:uLnTx/>
-              <a:uFillTx/>
-            </a:endParaRPr>
           </a:p>
           <a:p>
             <a:pPr marL="0" marR="0" lvl="0" indent="0" defTabSz="914400" eaLnBrk="1" fontAlgn="auto" latinLnBrk="0" hangingPunct="1">
@@ -5024,7 +4920,7 @@
           <p:nvPr/>
         </p:nvPicPr>
         <p:blipFill>
-          <a:blip r:embed="rId1"/>
+          <a:blip r:embed="rId2"/>
           <a:stretch>
             <a:fillRect/>
           </a:stretch>
@@ -5174,8 +5070,8 @@
         </p:nvSpPr>
         <p:spPr>
           <a:xfrm>
-            <a:off x="2611247" y="4153383"/>
-            <a:ext cx="2313454" cy="338554"/>
+            <a:off x="3162680" y="4153383"/>
+            <a:ext cx="1210588" cy="338554"/>
           </a:xfrm>
           <a:prstGeom prst="rect">
             <a:avLst/>
@@ -5230,18 +5126,7 @@
                 <a:ea typeface="微软雅黑" panose="020B0503020204020204" pitchFamily="34" charset="-122"/>
                 <a:cs typeface="微软雅黑" panose="020B0503020204020204" pitchFamily="34" charset="-122"/>
               </a:rPr>
-              <a:t>：        </a:t>
-            </a:r>
-            <a:r>
-              <a:rPr kumimoji="1" lang="zh-CN" altLang="en-US" sz="1600" noProof="0" dirty="0">
-                <a:solidFill>
-                  <a:srgbClr val="3D3F41"/>
-                </a:solidFill>
-                <a:latin typeface="微软雅黑" panose="020B0503020204020204" pitchFamily="34" charset="-122"/>
-                <a:ea typeface="微软雅黑" panose="020B0503020204020204" pitchFamily="34" charset="-122"/>
-                <a:cs typeface="微软雅黑" panose="020B0503020204020204" pitchFamily="34" charset="-122"/>
-              </a:rPr>
-              <a:t>崔金华</a:t>
+              <a:t>：</a:t>
             </a:r>
             <a:endParaRPr kumimoji="1" lang="en-US" altLang="zh-CN" sz="1600" b="0" i="0" u="none" strike="noStrike" kern="1200" cap="none" spc="0" normalizeH="0" baseline="0" noProof="0" dirty="0">
               <a:ln>
@@ -5268,8 +5153,8 @@
         </p:nvSpPr>
         <p:spPr>
           <a:xfrm>
-            <a:off x="2606550" y="4548259"/>
-            <a:ext cx="2329484" cy="338554"/>
+            <a:off x="3371182" y="4548259"/>
+            <a:ext cx="800219" cy="338554"/>
           </a:xfrm>
           <a:prstGeom prst="rect">
             <a:avLst/>
@@ -5324,7 +5209,7 @@
                 <a:ea typeface="微软雅黑" panose="020B0503020204020204" pitchFamily="34" charset="-122"/>
                 <a:cs typeface="微软雅黑" panose="020B0503020204020204" pitchFamily="34" charset="-122"/>
               </a:rPr>
-              <a:t>：               曾志敏</a:t>
+              <a:t>：</a:t>
             </a:r>
             <a:endParaRPr kumimoji="1" lang="en-US" altLang="zh-CN" sz="1600" b="0" i="0" u="none" strike="noStrike" kern="1200" cap="none" spc="0" normalizeH="0" baseline="0" noProof="0" dirty="0">
               <a:ln>
@@ -5348,13 +5233,13 @@
   <p:clrMapOvr>
     <a:masterClrMapping/>
   </p:clrMapOvr>
-  <mc:AlternateContent xmlns:mc="http://schemas.openxmlformats.org/markup-compatibility/2006">
-    <mc:Choice xmlns:p14="http://schemas.microsoft.com/office/powerpoint/2010/main" Requires="p14">
+  <mc:AlternateContent xmlns:mc="http://schemas.openxmlformats.org/markup-compatibility/2006" xmlns:p14="http://schemas.microsoft.com/office/powerpoint/2010/main">
+    <mc:Choice Requires="p14">
       <p:transition spd="slow" p14:dur="1200" advClick="0" advTm="4000">
         <p:dissolve/>
       </p:transition>
     </mc:Choice>
-    <mc:Fallback>
+    <mc:Fallback xmlns="">
       <p:transition spd="slow" advClick="0" advTm="4000">
         <p:dissolve/>
       </p:transition>
@@ -5516,16 +5401,6 @@
                 </a:rPr>
                 <a:t>CONTENTS</a:t>
               </a:r>
-              <a:endParaRPr lang="en-US" altLang="zh-CN" sz="4000" b="1" dirty="0">
-                <a:solidFill>
-                  <a:schemeClr val="tx1">
-                    <a:lumMod val="65000"/>
-                    <a:lumOff val="35000"/>
-                  </a:schemeClr>
-                </a:solidFill>
-                <a:latin typeface="微软雅黑" panose="020B0503020204020204" pitchFamily="34" charset="-122"/>
-                <a:ea typeface="微软雅黑" panose="020B0503020204020204" pitchFamily="34" charset="-122"/>
-              </a:endParaRPr>
             </a:p>
           </p:txBody>
         </p:sp>
@@ -6078,7 +5953,7 @@
             <p:nvPr/>
           </p:nvPicPr>
           <p:blipFill>
-            <a:blip r:embed="rId1" cstate="print">
+            <a:blip r:embed="rId3" cstate="print">
               <a:biLevel thresh="75000"/>
               <a:extLst>
                 <a:ext uri="{28A0092B-C50C-407E-A947-70E740481C1C}">
@@ -6109,7 +5984,7 @@
             <p:nvPr/>
           </p:nvPicPr>
           <p:blipFill>
-            <a:blip r:embed="rId2" cstate="print">
+            <a:blip r:embed="rId4" cstate="print">
               <a:extLst>
                 <a:ext uri="{28A0092B-C50C-407E-A947-70E740481C1C}">
                   <a14:useLocalDpi xmlns:a14="http://schemas.microsoft.com/office/drawing/2010/main" val="0"/>
@@ -6140,7 +6015,7 @@
           <p:nvPr/>
         </p:nvPicPr>
         <p:blipFill rotWithShape="1">
-          <a:blip r:embed="rId3" cstate="print">
+          <a:blip r:embed="rId5" cstate="print">
             <a:clrChange>
               <a:clrFrom>
                 <a:srgbClr val="FFFFFF"/>
@@ -6346,16 +6221,6 @@
               </a:rPr>
               <a:t>实验任务</a:t>
             </a:r>
-            <a:endParaRPr lang="zh-CN" altLang="en-US" sz="3200" dirty="0">
-              <a:solidFill>
-                <a:schemeClr val="tx1">
-                  <a:lumMod val="65000"/>
-                  <a:lumOff val="35000"/>
-                </a:schemeClr>
-              </a:solidFill>
-              <a:latin typeface="微软雅黑" panose="020B0503020204020204" pitchFamily="34" charset="-122"/>
-              <a:ea typeface="微软雅黑" panose="020B0503020204020204" pitchFamily="34" charset="-122"/>
-            </a:endParaRPr>
           </a:p>
         </p:txBody>
       </p:sp>
@@ -6382,7 +6247,7 @@
             <p:nvPr/>
           </p:nvPicPr>
           <p:blipFill>
-            <a:blip r:embed="rId1" cstate="print">
+            <a:blip r:embed="rId2" cstate="print">
               <a:biLevel thresh="75000"/>
               <a:extLst>
                 <a:ext uri="{28A0092B-C50C-407E-A947-70E740481C1C}">
@@ -6413,7 +6278,7 @@
             <p:nvPr/>
           </p:nvPicPr>
           <p:blipFill>
-            <a:blip r:embed="rId2" cstate="print">
+            <a:blip r:embed="rId3" cstate="print">
               <a:extLst>
                 <a:ext uri="{28A0092B-C50C-407E-A947-70E740481C1C}">
                   <a14:useLocalDpi xmlns:a14="http://schemas.microsoft.com/office/drawing/2010/main" val="0"/>
@@ -6444,7 +6309,7 @@
           <p:nvPr/>
         </p:nvPicPr>
         <p:blipFill rotWithShape="1">
-          <a:blip r:embed="rId3" cstate="print">
+          <a:blip r:embed="rId4" cstate="print">
             <a:clrChange>
               <a:clrFrom>
                 <a:srgbClr val="FFFFFF"/>
@@ -6502,7 +6367,6 @@
               <a:rPr lang="zh-CN" altLang="en-US" sz="4000" b="1" dirty="0"/>
               <a:t>关系挖掘实验</a:t>
             </a:r>
-            <a:endParaRPr lang="zh-CN" altLang="en-US" sz="4000" b="1" dirty="0"/>
           </a:p>
         </p:txBody>
       </p:sp>
@@ -6542,7 +6406,6 @@
               <a:rPr lang="zh-CN" altLang="en-US" sz="2400" dirty="0"/>
               <a:t>实验内容</a:t>
             </a:r>
-            <a:endParaRPr lang="zh-CN" altLang="en-US" sz="2400" dirty="0"/>
           </a:p>
           <a:p>
             <a:pPr marL="0" indent="0">
@@ -6563,7 +6426,6 @@
               <a:rPr lang="zh-CN" altLang="en-US" sz="2400" dirty="0"/>
               <a:t>算法，要求使用给定的数据文件进行实验，获得频繁项集以及关联规则。</a:t>
             </a:r>
-            <a:endParaRPr lang="zh-CN" altLang="en-US" sz="2400" dirty="0"/>
           </a:p>
           <a:p>
             <a:pPr marL="0" indent="0">
@@ -6580,7 +6442,6 @@
               <a:rPr lang="zh-CN" altLang="en-US" sz="2400" dirty="0"/>
               <a:t>实验要求</a:t>
             </a:r>
-            <a:endParaRPr lang="zh-CN" altLang="en-US" sz="2400" dirty="0"/>
           </a:p>
           <a:p>
             <a:pPr>
@@ -6600,7 +6461,6 @@
               <a:rPr lang="zh-CN" altLang="en-US" sz="2400" dirty="0"/>
               <a:t>作为输入文件</a:t>
             </a:r>
-            <a:endParaRPr lang="zh-CN" altLang="en-US" sz="2400" dirty="0"/>
           </a:p>
           <a:p>
             <a:pPr>
@@ -6620,7 +6480,6 @@
               <a:rPr lang="zh-CN" altLang="en-US" sz="2400" dirty="0"/>
               <a:t>阶频繁项集与关联规则，各个频繁项的支持度，各个规则的置信度，各阶频繁项集的数量以及关联规则的总数</a:t>
             </a:r>
-            <a:endParaRPr lang="zh-CN" altLang="en-US" sz="2400" dirty="0"/>
           </a:p>
           <a:p>
             <a:pPr>
@@ -6644,7 +6503,6 @@
               <a:rPr lang="en-US" altLang="zh-CN" sz="2400" dirty="0"/>
               <a:t>0.5</a:t>
             </a:r>
-            <a:endParaRPr lang="en-US" altLang="zh-CN" sz="2400" dirty="0"/>
           </a:p>
           <a:p>
             <a:pPr marL="0" indent="0">
@@ -6662,13 +6520,13 @@
   <p:clrMapOvr>
     <a:masterClrMapping/>
   </p:clrMapOvr>
-  <mc:AlternateContent xmlns:mc="http://schemas.openxmlformats.org/markup-compatibility/2006">
-    <mc:Choice xmlns:p14="http://schemas.microsoft.com/office/powerpoint/2010/main" Requires="p14">
+  <mc:AlternateContent xmlns:mc="http://schemas.openxmlformats.org/markup-compatibility/2006" xmlns:p14="http://schemas.microsoft.com/office/powerpoint/2010/main">
+    <mc:Choice Requires="p14">
       <p:transition spd="slow" p14:dur="1200" advClick="0" advTm="3000">
         <p14:prism dir="u"/>
       </p:transition>
     </mc:Choice>
-    <mc:Fallback>
+    <mc:Fallback xmlns="">
       <p:transition spd="slow" advClick="0" advTm="3000">
         <p:fade/>
       </p:transition>
@@ -6840,16 +6698,6 @@
               </a:rPr>
               <a:t>模型参考</a:t>
             </a:r>
-            <a:endParaRPr lang="zh-CN" altLang="en-US" sz="3200" dirty="0">
-              <a:solidFill>
-                <a:schemeClr val="tx1">
-                  <a:lumMod val="65000"/>
-                  <a:lumOff val="35000"/>
-                </a:schemeClr>
-              </a:solidFill>
-              <a:latin typeface="微软雅黑" panose="020B0503020204020204" pitchFamily="34" charset="-122"/>
-              <a:ea typeface="微软雅黑" panose="020B0503020204020204" pitchFamily="34" charset="-122"/>
-            </a:endParaRPr>
           </a:p>
         </p:txBody>
       </p:sp>
@@ -6876,7 +6724,7 @@
             <p:nvPr/>
           </p:nvPicPr>
           <p:blipFill>
-            <a:blip r:embed="rId1" cstate="print">
+            <a:blip r:embed="rId3" cstate="print">
               <a:biLevel thresh="75000"/>
               <a:extLst>
                 <a:ext uri="{28A0092B-C50C-407E-A947-70E740481C1C}">
@@ -6907,7 +6755,7 @@
             <p:nvPr/>
           </p:nvPicPr>
           <p:blipFill>
-            <a:blip r:embed="rId2" cstate="print">
+            <a:blip r:embed="rId4" cstate="print">
               <a:extLst>
                 <a:ext uri="{28A0092B-C50C-407E-A947-70E740481C1C}">
                   <a14:useLocalDpi xmlns:a14="http://schemas.microsoft.com/office/drawing/2010/main" val="0"/>
@@ -6938,7 +6786,7 @@
           <p:nvPr/>
         </p:nvPicPr>
         <p:blipFill rotWithShape="1">
-          <a:blip r:embed="rId3" cstate="print">
+          <a:blip r:embed="rId5" cstate="print">
             <a:clrChange>
               <a:clrFrom>
                 <a:srgbClr val="FFFFFF"/>
@@ -7004,7 +6852,6 @@
               <a:rPr lang="zh-CN" altLang="en-US" dirty="0"/>
               <a:t>购物篮模型</a:t>
             </a:r>
-            <a:endParaRPr lang="zh-CN" altLang="en-US" dirty="0"/>
           </a:p>
         </p:txBody>
       </p:sp>
@@ -7017,7 +6864,7 @@
           <p:nvPr/>
         </p:nvPicPr>
         <p:blipFill>
-          <a:blip r:embed="rId4"/>
+          <a:blip r:embed="rId6"/>
           <a:stretch>
             <a:fillRect/>
           </a:stretch>
@@ -7062,7 +6909,6 @@
               <a:rPr lang="en-US" altLang="zh-CN" dirty="0"/>
               <a:t>Bread</a:t>
             </a:r>
-            <a:endParaRPr lang="en-US" altLang="zh-CN" dirty="0"/>
           </a:p>
           <a:p>
             <a:r>
@@ -7141,11 +6987,7 @@
             </a:r>
             <a:r>
               <a:rPr lang="en-US" altLang="zh-CN" sz="2000" b="1" dirty="0"/>
-              <a:t>size</a:t>
-            </a:r>
-            <a:r>
-              <a:rPr lang="en-US" altLang="zh-CN" sz="2000" b="1" dirty="0"/>
-              <a:t>(</a:t>
+              <a:t>size(</a:t>
             </a:r>
             <a:r>
               <a:rPr lang="zh-CN" altLang="en-US" sz="2000" b="1" dirty="0"/>
@@ -7155,7 +6997,6 @@
               <a:rPr lang="en-US" altLang="zh-CN" sz="2000" b="1" dirty="0"/>
               <a:t>)</a:t>
             </a:r>
-            <a:endParaRPr lang="en-US" altLang="zh-CN" sz="2000" b="1" dirty="0"/>
           </a:p>
           <a:p>
             <a:r>
@@ -7250,7 +7091,6 @@
               <a:rPr lang="en-US" altLang="zh-CN" sz="2000" b="1" dirty="0"/>
               <a:t>conf(rule) = s(J) / s(J-{j})</a:t>
             </a:r>
-            <a:endParaRPr lang="en-US" altLang="zh-CN" sz="2000" b="1" dirty="0"/>
           </a:p>
           <a:p>
             <a:r>
@@ -7278,7 +7118,7 @@
           <p:nvPr/>
         </p:nvPicPr>
         <p:blipFill>
-          <a:blip r:embed="rId5"/>
+          <a:blip r:embed="rId7"/>
           <a:stretch>
             <a:fillRect/>
           </a:stretch>
@@ -7328,13 +7168,13 @@
   <p:clrMapOvr>
     <a:masterClrMapping/>
   </p:clrMapOvr>
-  <mc:AlternateContent xmlns:mc="http://schemas.openxmlformats.org/markup-compatibility/2006">
-    <mc:Choice xmlns:p14="http://schemas.microsoft.com/office/powerpoint/2010/main" Requires="p14">
+  <mc:AlternateContent xmlns:mc="http://schemas.openxmlformats.org/markup-compatibility/2006" xmlns:p14="http://schemas.microsoft.com/office/powerpoint/2010/main">
+    <mc:Choice Requires="p14">
       <p:transition spd="slow" p14:dur="1300" advClick="0" advTm="9000">
         <p14:pan/>
       </p:transition>
     </mc:Choice>
-    <mc:Fallback>
+    <mc:Fallback xmlns="">
       <p:transition spd="slow" advClick="0" advTm="9000">
         <p:fade/>
       </p:transition>
@@ -7506,16 +7346,6 @@
               </a:rPr>
               <a:t>模型参考</a:t>
             </a:r>
-            <a:endParaRPr lang="zh-CN" altLang="en-US" sz="3200" dirty="0">
-              <a:solidFill>
-                <a:schemeClr val="tx1">
-                  <a:lumMod val="65000"/>
-                  <a:lumOff val="35000"/>
-                </a:schemeClr>
-              </a:solidFill>
-              <a:latin typeface="微软雅黑" panose="020B0503020204020204" pitchFamily="34" charset="-122"/>
-              <a:ea typeface="微软雅黑" panose="020B0503020204020204" pitchFamily="34" charset="-122"/>
-            </a:endParaRPr>
           </a:p>
         </p:txBody>
       </p:sp>
@@ -7542,7 +7372,7 @@
             <p:nvPr/>
           </p:nvPicPr>
           <p:blipFill>
-            <a:blip r:embed="rId1" cstate="print">
+            <a:blip r:embed="rId3" cstate="print">
               <a:biLevel thresh="75000"/>
               <a:extLst>
                 <a:ext uri="{28A0092B-C50C-407E-A947-70E740481C1C}">
@@ -7573,7 +7403,7 @@
             <p:nvPr/>
           </p:nvPicPr>
           <p:blipFill>
-            <a:blip r:embed="rId2" cstate="print">
+            <a:blip r:embed="rId4" cstate="print">
               <a:extLst>
                 <a:ext uri="{28A0092B-C50C-407E-A947-70E740481C1C}">
                   <a14:useLocalDpi xmlns:a14="http://schemas.microsoft.com/office/drawing/2010/main" val="0"/>
@@ -7604,7 +7434,7 @@
           <p:nvPr/>
         </p:nvPicPr>
         <p:blipFill rotWithShape="1">
-          <a:blip r:embed="rId3" cstate="print">
+          <a:blip r:embed="rId5" cstate="print">
             <a:clrChange>
               <a:clrFrom>
                 <a:srgbClr val="FFFFFF"/>
@@ -7674,7 +7504,6 @@
               <a:rPr lang="zh-CN" altLang="en-US" dirty="0"/>
               <a:t>算法的实施</a:t>
             </a:r>
-            <a:endParaRPr lang="zh-CN" altLang="en-US" dirty="0"/>
           </a:p>
         </p:txBody>
       </p:sp>
@@ -7721,10 +7550,6 @@
               </a:rPr>
               <a:t>1</a:t>
             </a:r>
-            <a:endParaRPr lang="en-US" sz="1800" baseline="-25000">
-              <a:latin typeface="Arial" panose="020B0604020202020204" pitchFamily="34" charset="0"/>
-              <a:cs typeface="Arial" panose="020B0604020202020204" pitchFamily="34" charset="0"/>
-            </a:endParaRPr>
           </a:p>
         </p:txBody>
       </p:sp>
@@ -7771,10 +7596,6 @@
               </a:rPr>
               <a:t>1</a:t>
             </a:r>
-            <a:endParaRPr lang="en-US" sz="1800" baseline="-25000" dirty="0">
-              <a:latin typeface="Arial" panose="020B0604020202020204" pitchFamily="34" charset="0"/>
-              <a:cs typeface="Arial" panose="020B0604020202020204" pitchFamily="34" charset="0"/>
-            </a:endParaRPr>
           </a:p>
         </p:txBody>
       </p:sp>
@@ -7821,10 +7642,6 @@
               </a:rPr>
               <a:t>2</a:t>
             </a:r>
-            <a:endParaRPr lang="en-US" sz="1800" baseline="-25000">
-              <a:latin typeface="Arial" panose="020B0604020202020204" pitchFamily="34" charset="0"/>
-              <a:cs typeface="Arial" panose="020B0604020202020204" pitchFamily="34" charset="0"/>
-            </a:endParaRPr>
           </a:p>
         </p:txBody>
       </p:sp>
@@ -7871,10 +7688,6 @@
               </a:rPr>
               <a:t>2</a:t>
             </a:r>
-            <a:endParaRPr lang="en-US" sz="1800" baseline="-25000" dirty="0">
-              <a:latin typeface="Arial" panose="020B0604020202020204" pitchFamily="34" charset="0"/>
-              <a:cs typeface="Arial" panose="020B0604020202020204" pitchFamily="34" charset="0"/>
-            </a:endParaRPr>
           </a:p>
         </p:txBody>
       </p:sp>
@@ -7921,10 +7734,6 @@
               </a:rPr>
               <a:t>3</a:t>
             </a:r>
-            <a:endParaRPr lang="en-US" sz="1800" baseline="-25000">
-              <a:latin typeface="Arial" panose="020B0604020202020204" pitchFamily="34" charset="0"/>
-              <a:cs typeface="Arial" panose="020B0604020202020204" pitchFamily="34" charset="0"/>
-            </a:endParaRPr>
           </a:p>
         </p:txBody>
       </p:sp>
@@ -8029,10 +7838,6 @@
               </a:rPr>
               <a:t>Filter</a:t>
             </a:r>
-            <a:endParaRPr lang="en-US" sz="1800" dirty="0">
-              <a:latin typeface="Arial" panose="020B0604020202020204" pitchFamily="34" charset="0"/>
-              <a:cs typeface="Arial" panose="020B0604020202020204" pitchFamily="34" charset="0"/>
-            </a:endParaRPr>
           </a:p>
         </p:txBody>
       </p:sp>
@@ -8137,10 +7942,6 @@
               </a:rPr>
               <a:t>Filter</a:t>
             </a:r>
-            <a:endParaRPr lang="en-US" sz="1800" dirty="0">
-              <a:latin typeface="Arial" panose="020B0604020202020204" pitchFamily="34" charset="0"/>
-              <a:cs typeface="Arial" panose="020B0604020202020204" pitchFamily="34" charset="0"/>
-            </a:endParaRPr>
           </a:p>
         </p:txBody>
       </p:sp>
@@ -8185,10 +7986,6 @@
               </a:rPr>
               <a:t>Constructor</a:t>
             </a:r>
-            <a:endParaRPr lang="en-US" sz="1800" dirty="0">
-              <a:latin typeface="Arial" panose="020B0604020202020204" pitchFamily="34" charset="0"/>
-              <a:cs typeface="Arial" panose="020B0604020202020204" pitchFamily="34" charset="0"/>
-            </a:endParaRPr>
           </a:p>
         </p:txBody>
       </p:sp>
@@ -9006,13 +8803,6 @@
                 </a:rPr>
                 <a:t>{a, c} =&gt; {a , b , c}</a:t>
               </a:r>
-              <a:endParaRPr lang="en-US" altLang="zh-CN" sz="1800" dirty="0">
-                <a:solidFill>
-                  <a:srgbClr val="008000"/>
-                </a:solidFill>
-                <a:latin typeface="Arial" panose="020B0604020202020204" pitchFamily="34" charset="0"/>
-                <a:cs typeface="Arial" panose="020B0604020202020204" pitchFamily="34" charset="0"/>
-              </a:endParaRPr>
             </a:p>
             <a:p>
               <a:pPr algn="ctr"/>
@@ -9244,17 +9034,11 @@
           </p:txBody>
         </p:sp>
       </p:grpSp>
-      <mc:AlternateContent xmlns:mc="http://schemas.openxmlformats.org/markup-compatibility/2006">
-        <mc:Choice xmlns:a14="http://schemas.microsoft.com/office/drawing/2010/main" Requires="a14">
+      <mc:AlternateContent xmlns:mc="http://schemas.openxmlformats.org/markup-compatibility/2006" xmlns:a14="http://schemas.microsoft.com/office/drawing/2010/main">
+        <mc:Choice Requires="a14">
           <p:sp>
             <p:nvSpPr>
-              <p:cNvPr id="110" name="内容占位符 2">
-                <a:extLst>
-                  <a:ext uri="{FF2B5EF4-FFF2-40B4-BE49-F238E27FC236}">
-                    <ele attr="{27D797D8-8EF9-4015-ADA7-851E187AC0D2}"/>
-                  </a:ext>
-                </a:extLst>
-              </p:cNvPr>
+              <p:cNvPr id="110" name="内容占位符 2"/>
               <p:cNvSpPr txBox="1">
                 <a:spLocks/>
               </p:cNvSpPr>
@@ -9599,7 +9383,7 @@
             </p:txBody>
           </p:sp>
         </mc:Choice>
-        <mc:Fallback>
+        <mc:Fallback xmlns="">
           <p:sp>
             <p:nvSpPr>
               <p:cNvPr id="110" name="内容占位符 2"/>
@@ -9617,7 +9401,7 @@
                 <a:avLst/>
               </a:prstGeom>
               <a:blipFill rotWithShape="1">
-                <a:blip r:embed="rId4"/>
+                <a:blip r:embed="rId6"/>
                 <a:stretch>
                   <a:fillRect l="-57" t="-9459" r="-57"/>
                 </a:stretch>
@@ -9682,7 +9466,6 @@
               <a:rPr lang="zh-CN" altLang="en-US" dirty="0"/>
               <a:t>：子集都是频繁项集的集合，不一定是频繁项集，但是候选频繁项集。</a:t>
             </a:r>
-            <a:endParaRPr lang="zh-CN" altLang="en-US" dirty="0"/>
           </a:p>
         </p:txBody>
       </p:sp>
@@ -9729,10 +9512,6 @@
               </a:rPr>
               <a:t>3</a:t>
             </a:r>
-            <a:endParaRPr lang="en-US" sz="1800" baseline="-25000" dirty="0">
-              <a:latin typeface="Arial" panose="020B0604020202020204" pitchFamily="34" charset="0"/>
-              <a:cs typeface="Arial" panose="020B0604020202020204" pitchFamily="34" charset="0"/>
-            </a:endParaRPr>
           </a:p>
         </p:txBody>
       </p:sp>
@@ -9886,13 +9665,6 @@
               </a:rPr>
               <a:t>{b} =&gt; {a , b}</a:t>
             </a:r>
-            <a:endParaRPr lang="en-US" altLang="zh-CN" sz="1800" dirty="0">
-              <a:solidFill>
-                <a:srgbClr val="008000"/>
-              </a:solidFill>
-              <a:latin typeface="Arial" panose="020B0604020202020204" pitchFamily="34" charset="0"/>
-              <a:cs typeface="Arial" panose="020B0604020202020204" pitchFamily="34" charset="0"/>
-            </a:endParaRPr>
           </a:p>
           <a:p>
             <a:pPr algn="ctr"/>
@@ -10077,13 +9849,13 @@
   <p:clrMapOvr>
     <a:masterClrMapping/>
   </p:clrMapOvr>
-  <mc:AlternateContent xmlns:mc="http://schemas.openxmlformats.org/markup-compatibility/2006">
-    <mc:Choice xmlns:p14="http://schemas.microsoft.com/office/powerpoint/2010/main" Requires="p14">
+  <mc:AlternateContent xmlns:mc="http://schemas.openxmlformats.org/markup-compatibility/2006" xmlns:p14="http://schemas.microsoft.com/office/powerpoint/2010/main">
+    <mc:Choice Requires="p14">
       <p:transition spd="slow" p14:dur="1300" advClick="0" advTm="9000">
         <p14:pan/>
       </p:transition>
     </mc:Choice>
-    <mc:Fallback>
+    <mc:Fallback xmlns="">
       <p:transition spd="slow" advClick="0" advTm="9000">
         <p:fade/>
       </p:transition>
@@ -10255,16 +10027,6 @@
               </a:rPr>
               <a:t>模型参考</a:t>
             </a:r>
-            <a:endParaRPr lang="zh-CN" altLang="en-US" sz="3200" dirty="0">
-              <a:solidFill>
-                <a:schemeClr val="tx1">
-                  <a:lumMod val="65000"/>
-                  <a:lumOff val="35000"/>
-                </a:schemeClr>
-              </a:solidFill>
-              <a:latin typeface="微软雅黑" panose="020B0503020204020204" pitchFamily="34" charset="-122"/>
-              <a:ea typeface="微软雅黑" panose="020B0503020204020204" pitchFamily="34" charset="-122"/>
-            </a:endParaRPr>
           </a:p>
         </p:txBody>
       </p:sp>
@@ -10291,7 +10053,7 @@
             <p:nvPr/>
           </p:nvPicPr>
           <p:blipFill>
-            <a:blip r:embed="rId1" cstate="print">
+            <a:blip r:embed="rId3" cstate="print">
               <a:biLevel thresh="75000"/>
               <a:extLst>
                 <a:ext uri="{28A0092B-C50C-407E-A947-70E740481C1C}">
@@ -10322,7 +10084,7 @@
             <p:nvPr/>
           </p:nvPicPr>
           <p:blipFill>
-            <a:blip r:embed="rId2" cstate="print">
+            <a:blip r:embed="rId4" cstate="print">
               <a:extLst>
                 <a:ext uri="{28A0092B-C50C-407E-A947-70E740481C1C}">
                   <a14:useLocalDpi xmlns:a14="http://schemas.microsoft.com/office/drawing/2010/main" val="0"/>
@@ -10353,7 +10115,7 @@
           <p:nvPr/>
         </p:nvPicPr>
         <p:blipFill rotWithShape="1">
-          <a:blip r:embed="rId3" cstate="print">
+          <a:blip r:embed="rId5" cstate="print">
             <a:clrChange>
               <a:clrFrom>
                 <a:srgbClr val="FFFFFF"/>
@@ -10419,7 +10181,6 @@
               <a:rPr lang="zh-CN" altLang="en-US" dirty="0"/>
               <a:t>算法流程</a:t>
             </a:r>
-            <a:endParaRPr lang="zh-CN" altLang="en-US" dirty="0"/>
           </a:p>
         </p:txBody>
       </p:sp>
@@ -10432,7 +10193,7 @@
           <p:nvPr/>
         </p:nvPicPr>
         <p:blipFill>
-          <a:blip r:embed="rId4">
+          <a:blip r:embed="rId6">
             <a:extLst>
               <a:ext uri="{28A0092B-C50C-407E-A947-70E740481C1C}">
                 <a14:useLocalDpi xmlns:a14="http://schemas.microsoft.com/office/drawing/2010/main" val="0"/>
@@ -10602,13 +10363,13 @@
   <p:clrMapOvr>
     <a:masterClrMapping/>
   </p:clrMapOvr>
-  <mc:AlternateContent xmlns:mc="http://schemas.openxmlformats.org/markup-compatibility/2006">
-    <mc:Choice xmlns:p14="http://schemas.microsoft.com/office/powerpoint/2010/main" Requires="p14">
+  <mc:AlternateContent xmlns:mc="http://schemas.openxmlformats.org/markup-compatibility/2006" xmlns:p14="http://schemas.microsoft.com/office/powerpoint/2010/main">
+    <mc:Choice Requires="p14">
       <p:transition spd="slow" p14:dur="1300" advClick="0" advTm="9000">
         <p14:pan/>
       </p:transition>
     </mc:Choice>
-    <mc:Fallback>
+    <mc:Fallback xmlns="">
       <p:transition spd="slow" advClick="0" advTm="9000">
         <p:fade/>
       </p:transition>
@@ -10780,16 +10541,6 @@
               </a:rPr>
               <a:t>实验注意事项</a:t>
             </a:r>
-            <a:endParaRPr lang="zh-CN" altLang="en-US" sz="3200" dirty="0">
-              <a:solidFill>
-                <a:schemeClr val="tx1">
-                  <a:lumMod val="65000"/>
-                  <a:lumOff val="35000"/>
-                </a:schemeClr>
-              </a:solidFill>
-              <a:latin typeface="微软雅黑" panose="020B0503020204020204" pitchFamily="34" charset="-122"/>
-              <a:ea typeface="微软雅黑" panose="020B0503020204020204" pitchFamily="34" charset="-122"/>
-            </a:endParaRPr>
           </a:p>
         </p:txBody>
       </p:sp>
@@ -10816,7 +10567,7 @@
             <p:nvPr/>
           </p:nvPicPr>
           <p:blipFill>
-            <a:blip r:embed="rId1" cstate="print">
+            <a:blip r:embed="rId2" cstate="print">
               <a:biLevel thresh="75000"/>
               <a:extLst>
                 <a:ext uri="{28A0092B-C50C-407E-A947-70E740481C1C}">
@@ -10847,7 +10598,7 @@
             <p:nvPr/>
           </p:nvPicPr>
           <p:blipFill>
-            <a:blip r:embed="rId2" cstate="print">
+            <a:blip r:embed="rId3" cstate="print">
               <a:extLst>
                 <a:ext uri="{28A0092B-C50C-407E-A947-70E740481C1C}">
                   <a14:useLocalDpi xmlns:a14="http://schemas.microsoft.com/office/drawing/2010/main" val="0"/>
@@ -10878,7 +10629,7 @@
           <p:nvPr/>
         </p:nvPicPr>
         <p:blipFill rotWithShape="1">
-          <a:blip r:embed="rId3" cstate="print">
+          <a:blip r:embed="rId4" cstate="print">
             <a:clrChange>
               <a:clrFrom>
                 <a:srgbClr val="FFFFFF"/>
@@ -10961,41 +10712,13 @@
             </a:r>
             <a:r>
               <a:rPr lang="zh-CN" altLang="en-US" sz="2400" dirty="0"/>
-              <a:t>若有问题请及时联系助教：</a:t>
+              <a:t>若有问题请及时</a:t>
+            </a:r>
+            <a:r>
+              <a:rPr lang="zh-CN" altLang="en-US" sz="2400"/>
+              <a:t>联系助教。</a:t>
             </a:r>
             <a:endParaRPr lang="en-US" altLang="zh-CN" sz="2400" dirty="0"/>
-          </a:p>
-          <a:p>
-            <a:pPr>
-              <a:lnSpc>
-                <a:spcPct val="120000"/>
-              </a:lnSpc>
-            </a:pPr>
-            <a:r>
-              <a:rPr lang="zh-CN" altLang="en-US" sz="2400" dirty="0"/>
-              <a:t>刘伟光：</a:t>
-            </a:r>
-            <a:r>
-              <a:rPr lang="en-US" altLang="zh-CN" sz="2400" dirty="0"/>
-              <a:t>TEL: 15827135186	QQ: 1486111482</a:t>
-            </a:r>
-            <a:endParaRPr lang="en-US" altLang="zh-CN" sz="2400" dirty="0"/>
-          </a:p>
-          <a:p>
-            <a:pPr>
-              <a:lnSpc>
-                <a:spcPct val="120000"/>
-              </a:lnSpc>
-            </a:pPr>
-            <a:r>
-              <a:rPr lang="zh-CN" altLang="en-US" sz="2400" dirty="0"/>
-              <a:t>曾志敏：</a:t>
-            </a:r>
-            <a:r>
-              <a:rPr lang="en-US" altLang="zh-CN" sz="2400" dirty="0"/>
-              <a:t>TEL: 15197335951	QQ: 820460891</a:t>
-            </a:r>
-            <a:endParaRPr lang="zh-CN" altLang="en-US" sz="2400" dirty="0"/>
           </a:p>
         </p:txBody>
       </p:sp>
@@ -11004,13 +10727,13 @@
   <p:clrMapOvr>
     <a:masterClrMapping/>
   </p:clrMapOvr>
-  <mc:AlternateContent xmlns:mc="http://schemas.openxmlformats.org/markup-compatibility/2006">
-    <mc:Choice xmlns:p14="http://schemas.microsoft.com/office/powerpoint/2010/main" Requires="p14">
+  <mc:AlternateContent xmlns:mc="http://schemas.openxmlformats.org/markup-compatibility/2006" xmlns:p14="http://schemas.microsoft.com/office/powerpoint/2010/main">
+    <mc:Choice Requires="p14">
       <p:transition spd="slow" p14:dur="1200" advClick="0" advTm="3000">
         <p14:prism dir="u"/>
       </p:transition>
     </mc:Choice>
-    <mc:Fallback>
+    <mc:Fallback xmlns="">
       <p:transition spd="slow" advClick="0" advTm="3000">
         <p:fade/>
       </p:transition>
@@ -11265,7 +10988,7 @@
             <p:nvPr/>
           </p:nvPicPr>
           <p:blipFill>
-            <a:blip r:embed="rId3" cstate="print">
+            <a:blip r:embed="rId5" cstate="print">
               <a:biLevel thresh="75000"/>
               <a:extLst>
                 <a:ext uri="{28A0092B-C50C-407E-A947-70E740481C1C}">
@@ -11296,7 +11019,7 @@
             <p:nvPr/>
           </p:nvPicPr>
           <p:blipFill>
-            <a:blip r:embed="rId4" cstate="print">
+            <a:blip r:embed="rId6" cstate="print">
               <a:extLst>
                 <a:ext uri="{28A0092B-C50C-407E-A947-70E740481C1C}">
                   <a14:useLocalDpi xmlns:a14="http://schemas.microsoft.com/office/drawing/2010/main" val="0"/>
@@ -11323,13 +11046,13 @@
   <p:clrMapOvr>
     <a:masterClrMapping/>
   </p:clrMapOvr>
-  <mc:AlternateContent xmlns:mc="http://schemas.openxmlformats.org/markup-compatibility/2006">
-    <mc:Choice xmlns:p14="http://schemas.microsoft.com/office/powerpoint/2010/main" Requires="p14">
+  <mc:AlternateContent xmlns:mc="http://schemas.openxmlformats.org/markup-compatibility/2006" xmlns:p14="http://schemas.microsoft.com/office/powerpoint/2010/main">
+    <mc:Choice Requires="p14">
       <p:transition spd="slow" p14:dur="2500">
         <p:checker/>
       </p:transition>
     </mc:Choice>
-    <mc:Fallback>
+    <mc:Fallback xmlns="">
       <p:transition spd="slow">
         <p:checker/>
       </p:transition>
@@ -11339,13 +11062,13 @@
 </file>
 
 <file path=ppt/tags/tag1.xml><?xml version="1.0" encoding="utf-8"?>
-<p:tagLst xmlns:p="http://schemas.openxmlformats.org/presentationml/2006/main">
+<p:tagLst xmlns:a="http://schemas.openxmlformats.org/drawingml/2006/main" xmlns:r="http://schemas.openxmlformats.org/officeDocument/2006/relationships" xmlns:p="http://schemas.openxmlformats.org/presentationml/2006/main">
   <p:tag name="PA" val="v3.0.1"/>
 </p:tagLst>
 </file>
 
 <file path=ppt/tags/tag2.xml><?xml version="1.0" encoding="utf-8"?>
-<p:tagLst xmlns:p="http://schemas.openxmlformats.org/presentationml/2006/main">
+<p:tagLst xmlns:a="http://schemas.openxmlformats.org/drawingml/2006/main" xmlns:r="http://schemas.openxmlformats.org/officeDocument/2006/relationships" xmlns:p="http://schemas.openxmlformats.org/presentationml/2006/main">
   <p:tag name="PA" val="v3.0.1"/>
 </p:tagLst>
 </file>
@@ -11601,6 +11324,8 @@
       </a:bgFillStyleLst>
     </a:fmtScheme>
   </a:themeElements>
+  <a:objectDefaults/>
+  <a:extraClrSchemeLst/>
   <a:extLst>
     <a:ext uri="{05A4C25C-085E-4340-85A3-A5531E510DB2}">
       <thm15:themeFamily xmlns:thm15="http://schemas.microsoft.com/office/thememl/2012/main" name="Office Theme" id="{62F939B6-93AF-4DB8-9C6B-D6C7DFDC589F}" vid="{4A3C46E8-61CC-4603-A589-7422A47A8E4A}"/>
@@ -11860,6 +11585,8 @@
       </a:bgFillStyleLst>
     </a:fmtScheme>
   </a:themeElements>
+  <a:objectDefaults/>
+  <a:extraClrSchemeLst/>
   <a:extLst>
     <a:ext uri="{05A4C25C-085E-4340-85A3-A5531E510DB2}">
       <thm15:themeFamily xmlns:thm15="http://schemas.microsoft.com/office/thememl/2012/main" name="Office Theme" id="{62F939B6-93AF-4DB8-9C6B-D6C7DFDC589F}" vid="{4A3C46E8-61CC-4603-A589-7422A47A8E4A}"/>
